--- a/WPDD202/Chapter 03.pptx
+++ b/WPDD202/Chapter 03.pptx
@@ -4630,7 +4630,7 @@
           <a:p>
             <a:fld id="{78FE1BA7-4187-488E-9E42-DEBD9072495B}" type="datetime1">
               <a:rPr lang="en-AU" smtClean="0"/>
-              <a:t>5/04/2023</a:t>
+              <a:t>23/05/2024</a:t>
             </a:fld>
             <a:endParaRPr lang="en-AU" dirty="0"/>
           </a:p>
@@ -4952,7 +4952,7 @@
           <a:p>
             <a:fld id="{305E9B68-AD7A-438F-9D1D-3DB3D6ABCFB0}" type="datetime1">
               <a:rPr lang="en-AU" smtClean="0"/>
-              <a:t>5/04/2023</a:t>
+              <a:t>23/05/2024</a:t>
             </a:fld>
             <a:endParaRPr lang="en-AU" dirty="0"/>
           </a:p>
@@ -5187,7 +5187,7 @@
           <a:p>
             <a:fld id="{2A07E56F-0407-419F-9E5E-869F663477AC}" type="datetime1">
               <a:rPr lang="en-AU" smtClean="0"/>
-              <a:t>5/04/2023</a:t>
+              <a:t>23/05/2024</a:t>
             </a:fld>
             <a:endParaRPr lang="en-AU" dirty="0"/>
           </a:p>
@@ -5432,7 +5432,7 @@
           <a:p>
             <a:fld id="{34DC7A53-BC4F-40B7-8C9A-C53F13553151}" type="datetime1">
               <a:rPr lang="en-AU" smtClean="0"/>
-              <a:t>5/04/2023</a:t>
+              <a:t>23/05/2024</a:t>
             </a:fld>
             <a:endParaRPr lang="en-AU" dirty="0"/>
           </a:p>
@@ -6060,7 +6060,7 @@
                 <a:tabLst/>
                 <a:defRPr/>
               </a:pPr>
-              <a:t>5/04/2023</a:t>
+              <a:t>23/05/2024</a:t>
             </a:fld>
             <a:endParaRPr kumimoji="0" lang="en-AU" sz="900" b="0" i="0" u="none" strike="noStrike" kern="1200" cap="none" spc="0" normalizeH="0" baseline="0" noProof="0" dirty="0">
               <a:ln>
@@ -6636,7 +6636,7 @@
           <a:p>
             <a:fld id="{0B7BFBD5-ADEF-409A-8496-1C199FD86A25}" type="datetime1">
               <a:rPr lang="en-AU" smtClean="0"/>
-              <a:t>5/04/2023</a:t>
+              <a:t>23/05/2024</a:t>
             </a:fld>
             <a:endParaRPr lang="en-AU" dirty="0"/>
           </a:p>
@@ -6871,7 +6871,7 @@
           <a:p>
             <a:fld id="{7FA1ACBD-4E48-4D63-B331-940BE5A8216D}" type="datetime1">
               <a:rPr lang="en-AU" smtClean="0"/>
-              <a:t>5/04/2023</a:t>
+              <a:t>23/05/2024</a:t>
             </a:fld>
             <a:endParaRPr lang="en-AU" dirty="0"/>
           </a:p>
@@ -7182,7 +7182,7 @@
           <a:p>
             <a:fld id="{4B10E7CA-4BA3-4495-99CB-21D30A274AF2}" type="datetime1">
               <a:rPr lang="en-AU" smtClean="0"/>
-              <a:t>5/04/2023</a:t>
+              <a:t>23/05/2024</a:t>
             </a:fld>
             <a:endParaRPr lang="en-AU" dirty="0"/>
           </a:p>
@@ -7415,7 +7415,7 @@
           <a:p>
             <a:fld id="{F37DC6C7-015B-415C-9580-A51F4B0DD460}" type="datetime1">
               <a:rPr lang="en-AU" smtClean="0"/>
-              <a:t>5/04/2023</a:t>
+              <a:t>23/05/2024</a:t>
             </a:fld>
             <a:endParaRPr lang="en-AU" dirty="0"/>
           </a:p>
@@ -7842,7 +7842,7 @@
           <a:p>
             <a:fld id="{E43AF249-7AAA-440E-9A94-2519FA17C0A0}" type="datetime1">
               <a:rPr lang="en-AU" smtClean="0"/>
-              <a:t>5/04/2023</a:t>
+              <a:t>23/05/2024</a:t>
             </a:fld>
             <a:endParaRPr lang="en-AU" dirty="0"/>
           </a:p>
@@ -8025,7 +8025,7 @@
           <a:p>
             <a:fld id="{F859AB67-BE92-4A5F-B3CB-248AC6737EBC}" type="datetime1">
               <a:rPr lang="en-AU" smtClean="0"/>
-              <a:t>5/04/2023</a:t>
+              <a:t>23/05/2024</a:t>
             </a:fld>
             <a:endParaRPr lang="en-AU" dirty="0"/>
           </a:p>
@@ -8185,7 +8185,7 @@
           <a:p>
             <a:fld id="{A4860BC5-6149-45B8-B367-B9B0D66BE27E}" type="datetime1">
               <a:rPr lang="en-AU" smtClean="0"/>
-              <a:t>5/04/2023</a:t>
+              <a:t>23/05/2024</a:t>
             </a:fld>
             <a:endParaRPr lang="en-AU" dirty="0"/>
           </a:p>
@@ -8512,7 +8512,7 @@
                 <a:tabLst/>
                 <a:defRPr/>
               </a:pPr>
-              <a:t>5/04/2023</a:t>
+              <a:t>23/05/2024</a:t>
             </a:fld>
             <a:endParaRPr kumimoji="0" lang="en-AU" sz="900" b="0" i="0" u="none" strike="noStrike" kern="1200" cap="none" spc="0" normalizeH="0" baseline="0" noProof="0" dirty="0">
               <a:ln>
@@ -9155,7 +9155,7 @@
           <a:p>
             <a:fld id="{59306243-C70C-45D1-8356-394DC7D7A48D}" type="datetime1">
               <a:rPr lang="en-AU" smtClean="0"/>
-              <a:t>5/04/2023</a:t>
+              <a:t>23/05/2024</a:t>
             </a:fld>
             <a:endParaRPr lang="en-AU" dirty="0"/>
           </a:p>
@@ -9746,7 +9746,7 @@
                 <a:tabLst/>
                 <a:defRPr/>
               </a:pPr>
-              <a:t>5/04/2023</a:t>
+              <a:t>23/05/2024</a:t>
             </a:fld>
             <a:endParaRPr kumimoji="0" lang="en-AU" sz="900" b="0" i="0" u="none" strike="noStrike" kern="1200" cap="none" spc="0" normalizeH="0" baseline="0" noProof="0" dirty="0">
               <a:ln>
@@ -21694,7 +21694,7 @@
               <a:rPr sz="4100" spc="-15" dirty="0"/>
               <a:t>Internet</a:t>
             </a:r>
-            <a:endParaRPr sz="4100"/>
+            <a:endParaRPr sz="4100" dirty="0"/>
           </a:p>
         </p:txBody>
       </p:sp>
